--- a/CoCo Conference.pptx
+++ b/CoCo Conference.pptx
@@ -8,15 +8,16 @@
     <p:sldId id="256" r:id="rId2"/>
     <p:sldId id="257" r:id="rId3"/>
     <p:sldId id="258" r:id="rId4"/>
-    <p:sldId id="259" r:id="rId5"/>
-    <p:sldId id="260" r:id="rId6"/>
-    <p:sldId id="261" r:id="rId7"/>
-    <p:sldId id="262" r:id="rId8"/>
-    <p:sldId id="263" r:id="rId9"/>
-    <p:sldId id="266" r:id="rId10"/>
-    <p:sldId id="267" r:id="rId11"/>
-    <p:sldId id="264" r:id="rId12"/>
-    <p:sldId id="265" r:id="rId13"/>
+    <p:sldId id="268" r:id="rId5"/>
+    <p:sldId id="259" r:id="rId6"/>
+    <p:sldId id="260" r:id="rId7"/>
+    <p:sldId id="261" r:id="rId8"/>
+    <p:sldId id="262" r:id="rId9"/>
+    <p:sldId id="263" r:id="rId10"/>
+    <p:sldId id="266" r:id="rId11"/>
+    <p:sldId id="267" r:id="rId12"/>
+    <p:sldId id="264" r:id="rId13"/>
+    <p:sldId id="265" r:id="rId14"/>
   </p:sldIdLst>
   <p:sldSz cx="12192000" cy="6858000"/>
   <p:notesSz cx="6858000" cy="9144000"/>
@@ -218,7 +219,7 @@
           <a:effectLst/>
           <a:extLst>
             <a:ext uri="{91240B29-F687-4f45-9708-019B960494DF}">
-              <a14:hiddenLine xmlns="" xmlns:a14="http://schemas.microsoft.com/office/drawing/2010/main" w="9525">
+              <a14:hiddenLine xmlns:a14="http://schemas.microsoft.com/office/drawing/2010/main" xmlns="" w="9525">
                 <a:solidFill>
                   <a:srgbClr val="000000"/>
                 </a:solidFill>
@@ -1728,7 +1729,7 @@
           <a:ln/>
           <a:extLst>
             <a:ext uri="{91240B29-F687-4f45-9708-019B960494DF}">
-              <a14:hiddenLine xmlns="" xmlns:a14="http://schemas.microsoft.com/office/drawing/2010/main" w="9525">
+              <a14:hiddenLine xmlns:a14="http://schemas.microsoft.com/office/drawing/2010/main" xmlns="" w="9525">
                 <a:solidFill>
                   <a:srgbClr val="000000"/>
                 </a:solidFill>
@@ -2000,7 +2001,7 @@
           <a:ln/>
           <a:extLst>
             <a:ext uri="{91240B29-F687-4f45-9708-019B960494DF}">
-              <a14:hiddenLine xmlns="" xmlns:a14="http://schemas.microsoft.com/office/drawing/2010/main" w="9525">
+              <a14:hiddenLine xmlns:a14="http://schemas.microsoft.com/office/drawing/2010/main" xmlns="" w="9525">
                 <a:solidFill>
                   <a:srgbClr val="000000"/>
                 </a:solidFill>
@@ -2280,7 +2281,7 @@
           <a:ln/>
           <a:extLst>
             <a:ext uri="{91240B29-F687-4f45-9708-019B960494DF}">
-              <a14:hiddenLine xmlns="" xmlns:a14="http://schemas.microsoft.com/office/drawing/2010/main" w="9525">
+              <a14:hiddenLine xmlns:a14="http://schemas.microsoft.com/office/drawing/2010/main" xmlns="" w="9525">
                 <a:solidFill>
                   <a:srgbClr val="000000"/>
                 </a:solidFill>
@@ -2900,7 +2901,7 @@
           <a:ln/>
           <a:extLst>
             <a:ext uri="{91240B29-F687-4f45-9708-019B960494DF}">
-              <a14:hiddenLine xmlns="" xmlns:a14="http://schemas.microsoft.com/office/drawing/2010/main" w="9525">
+              <a14:hiddenLine xmlns:a14="http://schemas.microsoft.com/office/drawing/2010/main" xmlns="" w="9525">
                 <a:solidFill>
                   <a:srgbClr val="000000"/>
                 </a:solidFill>
@@ -3236,7 +3237,7 @@
           <a:ln/>
           <a:extLst>
             <a:ext uri="{91240B29-F687-4f45-9708-019B960494DF}">
-              <a14:hiddenLine xmlns="" xmlns:a14="http://schemas.microsoft.com/office/drawing/2010/main" w="9525">
+              <a14:hiddenLine xmlns:a14="http://schemas.microsoft.com/office/drawing/2010/main" xmlns="" w="9525">
                 <a:solidFill>
                   <a:srgbClr val="000000"/>
                 </a:solidFill>
@@ -3710,7 +3711,7 @@
           <a:ln/>
           <a:extLst>
             <a:ext uri="{91240B29-F687-4f45-9708-019B960494DF}">
-              <a14:hiddenLine xmlns="" xmlns:a14="http://schemas.microsoft.com/office/drawing/2010/main" w="9525">
+              <a14:hiddenLine xmlns:a14="http://schemas.microsoft.com/office/drawing/2010/main" xmlns="" w="9525">
                 <a:solidFill>
                   <a:srgbClr val="000000"/>
                 </a:solidFill>
@@ -4133,7 +4134,7 @@
           <a:ln/>
           <a:extLst>
             <a:ext uri="{91240B29-F687-4f45-9708-019B960494DF}">
-              <a14:hiddenLine xmlns="" xmlns:a14="http://schemas.microsoft.com/office/drawing/2010/main" w="9525">
+              <a14:hiddenLine xmlns:a14="http://schemas.microsoft.com/office/drawing/2010/main" xmlns="" w="9525">
                 <a:solidFill>
                   <a:srgbClr val="000000"/>
                 </a:solidFill>
@@ -5457,7 +5458,7 @@
           <a:p>
             <a:r>
               <a:rPr lang="en-CA" dirty="0" smtClean="0"/>
-              <a:t>Disadvantages of Cloud Technology</a:t>
+              <a:t>Advantages of Cloud Technology</a:t>
             </a:r>
             <a:endParaRPr lang="en-CA" dirty="0"/>
           </a:p>
@@ -5478,14 +5479,14 @@
           <a:bodyPr/>
           <a:lstStyle/>
           <a:p>
-            <a:endParaRPr lang="en-CA"/>
+            <a:endParaRPr lang="en-CA" dirty="0"/>
           </a:p>
         </p:txBody>
       </p:sp>
     </p:spTree>
     <p:extLst>
       <p:ext uri="{BB962C8B-B14F-4D97-AF65-F5344CB8AC3E}">
-        <p14:creationId xmlns:p14="http://schemas.microsoft.com/office/powerpoint/2010/main" val="1523496630"/>
+        <p14:creationId xmlns:p14="http://schemas.microsoft.com/office/powerpoint/2010/main" val="2859325375"/>
       </p:ext>
     </p:extLst>
   </p:cSld>
@@ -5529,6 +5530,78 @@
           <a:p>
             <a:r>
               <a:rPr lang="en-CA" dirty="0" smtClean="0"/>
+              <a:t>Disadvantages of Cloud Technology</a:t>
+            </a:r>
+            <a:endParaRPr lang="en-CA" dirty="0"/>
+          </a:p>
+        </p:txBody>
+      </p:sp>
+      <p:sp>
+        <p:nvSpPr>
+          <p:cNvPr id="3" name="Content Placeholder 2"/>
+          <p:cNvSpPr>
+            <a:spLocks noGrp="1"/>
+          </p:cNvSpPr>
+          <p:nvPr>
+            <p:ph idx="1"/>
+          </p:nvPr>
+        </p:nvSpPr>
+        <p:spPr/>
+        <p:txBody>
+          <a:bodyPr/>
+          <a:lstStyle/>
+          <a:p>
+            <a:endParaRPr lang="en-CA"/>
+          </a:p>
+        </p:txBody>
+      </p:sp>
+    </p:spTree>
+    <p:extLst>
+      <p:ext uri="{BB962C8B-B14F-4D97-AF65-F5344CB8AC3E}">
+        <p14:creationId xmlns:p14="http://schemas.microsoft.com/office/powerpoint/2010/main" val="1523496630"/>
+      </p:ext>
+    </p:extLst>
+  </p:cSld>
+  <p:clrMapOvr>
+    <a:masterClrMapping/>
+  </p:clrMapOvr>
+</p:sld>
+</file>
+
+<file path=ppt/slides/slide12.xml><?xml version="1.0" encoding="utf-8"?>
+<p:sld xmlns:a="http://schemas.openxmlformats.org/drawingml/2006/main" xmlns:r="http://schemas.openxmlformats.org/officeDocument/2006/relationships" xmlns:p="http://schemas.openxmlformats.org/presentationml/2006/main">
+  <p:cSld>
+    <p:spTree>
+      <p:nvGrpSpPr>
+        <p:cNvPr id="1" name=""/>
+        <p:cNvGrpSpPr/>
+        <p:nvPr/>
+      </p:nvGrpSpPr>
+      <p:grpSpPr>
+        <a:xfrm>
+          <a:off x="0" y="0"/>
+          <a:ext cx="0" cy="0"/>
+          <a:chOff x="0" y="0"/>
+          <a:chExt cx="0" cy="0"/>
+        </a:xfrm>
+      </p:grpSpPr>
+      <p:sp>
+        <p:nvSpPr>
+          <p:cNvPr id="2" name="Title 1"/>
+          <p:cNvSpPr>
+            <a:spLocks noGrp="1"/>
+          </p:cNvSpPr>
+          <p:nvPr>
+            <p:ph type="title"/>
+          </p:nvPr>
+        </p:nvSpPr>
+        <p:spPr/>
+        <p:txBody>
+          <a:bodyPr/>
+          <a:lstStyle/>
+          <a:p>
+            <a:r>
+              <a:rPr lang="en-CA" dirty="0" smtClean="0"/>
               <a:t>Demo</a:t>
             </a:r>
             <a:endParaRPr lang="en-CA" dirty="0"/>
@@ -5567,7 +5640,7 @@
 </p:sld>
 </file>
 
-<file path=ppt/slides/slide12.xml><?xml version="1.0" encoding="utf-8"?>
+<file path=ppt/slides/slide13.xml><?xml version="1.0" encoding="utf-8"?>
 <p:sld xmlns:a="http://schemas.openxmlformats.org/drawingml/2006/main" xmlns:r="http://schemas.openxmlformats.org/officeDocument/2006/relationships" xmlns:p="http://schemas.openxmlformats.org/presentationml/2006/main">
   <p:cSld>
     <p:spTree>
@@ -5756,7 +5829,6 @@
               <a:rPr lang="en-CA" dirty="0" smtClean="0"/>
               <a:t>Disadvantages of Cloud Technology</a:t>
             </a:r>
-            <a:endParaRPr lang="en-CA" dirty="0" smtClean="0"/>
           </a:p>
           <a:p>
             <a:r>
@@ -5769,7 +5841,6 @@
               <a:rPr lang="en-CA" dirty="0" smtClean="0"/>
               <a:t>Questions</a:t>
             </a:r>
-            <a:endParaRPr lang="en-CA" dirty="0" smtClean="0"/>
           </a:p>
           <a:p>
             <a:endParaRPr lang="en-CA" dirty="0"/>
@@ -5852,6 +5923,62 @@
           <a:bodyPr/>
           <a:lstStyle/>
           <a:p>
+            <a:r>
+              <a:rPr lang="en-CA" dirty="0" smtClean="0"/>
+              <a:t>A Peer review platform</a:t>
+            </a:r>
+          </a:p>
+          <a:p>
+            <a:pPr lvl="1"/>
+            <a:r>
+              <a:rPr lang="en-CA" dirty="0" smtClean="0"/>
+              <a:t>Focusing on academic conferences</a:t>
+            </a:r>
+          </a:p>
+          <a:p>
+            <a:r>
+              <a:rPr lang="en-CA" dirty="0" smtClean="0"/>
+              <a:t>Create, comment, and share your conference experience</a:t>
+            </a:r>
+          </a:p>
+          <a:p>
+            <a:pPr lvl="1"/>
+            <a:r>
+              <a:rPr lang="en-CA" dirty="0" smtClean="0"/>
+              <a:t>Tell others how great the conference was</a:t>
+            </a:r>
+          </a:p>
+          <a:p>
+            <a:pPr lvl="1"/>
+            <a:r>
+              <a:rPr lang="en-CA" dirty="0" smtClean="0"/>
+              <a:t>Tell others about your general experience while attending</a:t>
+            </a:r>
+            <a:endParaRPr lang="en-CA" dirty="0" smtClean="0"/>
+          </a:p>
+          <a:p>
+            <a:r>
+              <a:rPr lang="en-CA" dirty="0" smtClean="0"/>
+              <a:t>Conference Analytics</a:t>
+            </a:r>
+          </a:p>
+          <a:p>
+            <a:pPr lvl="1"/>
+            <a:r>
+              <a:rPr lang="en-CA" dirty="0" smtClean="0"/>
+              <a:t>Overall</a:t>
+            </a:r>
+            <a:r>
+              <a:rPr lang="en-CA" dirty="0" smtClean="0"/>
+              <a:t> averages</a:t>
+            </a:r>
+          </a:p>
+          <a:p>
+            <a:pPr lvl="1"/>
+            <a:r>
+              <a:rPr lang="en-CA" dirty="0" smtClean="0"/>
+              <a:t>User analysis</a:t>
+            </a:r>
             <a:endParaRPr lang="en-CA" dirty="0"/>
           </a:p>
         </p:txBody>
@@ -5903,7 +6030,7 @@
           <a:p>
             <a:r>
               <a:rPr lang="en-CA" dirty="0" smtClean="0"/>
-              <a:t>Technologies used</a:t>
+              <a:t>Why Conferences?</a:t>
             </a:r>
             <a:endParaRPr lang="en-CA" dirty="0"/>
           </a:p>
@@ -5916,44 +6043,41 @@
             <a:spLocks noGrp="1"/>
           </p:cNvSpPr>
           <p:nvPr>
-            <p:ph type="body" idx="1"/>
-          </p:nvPr>
-        </p:nvSpPr>
-        <p:spPr>
-          <a:xfrm>
-            <a:off x="810000" y="4930071"/>
-            <a:ext cx="10561418" cy="433955"/>
-          </a:xfrm>
-        </p:spPr>
+            <p:ph idx="1"/>
+          </p:nvPr>
+        </p:nvSpPr>
+        <p:spPr/>
         <p:txBody>
           <a:bodyPr/>
           <a:lstStyle/>
           <a:p>
             <a:r>
               <a:rPr lang="en-CA" dirty="0" smtClean="0"/>
-              <a:t>Node.JS</a:t>
-            </a:r>
-          </a:p>
-          <a:p>
-            <a:r>
-              <a:rPr lang="en-CA" dirty="0" err="1" smtClean="0"/>
-              <a:t>Heroku</a:t>
-            </a:r>
+              <a:t>Academic conferences are notoriously expensive to attend</a:t>
+            </a:r>
+          </a:p>
+          <a:p>
             <a:r>
               <a:rPr lang="en-CA" dirty="0" smtClean="0"/>
-              <a:t> Web Services</a:t>
+              <a:t>Attendees usually pick and choose what conferences they attend in a year</a:t>
             </a:r>
           </a:p>
           <a:p>
             <a:r>
               <a:rPr lang="en-CA" dirty="0" smtClean="0"/>
-              <a:t>Amazon Dynamo</a:t>
-            </a:r>
-          </a:p>
-          <a:p>
-            <a:r>
-              <a:rPr lang="en-CA" dirty="0" err="1" smtClean="0"/>
-              <a:t>Plotly</a:t>
+              <a:t>Some conferences are hosted poorly</a:t>
+            </a:r>
+          </a:p>
+          <a:p>
+            <a:r>
+              <a:rPr lang="en-CA" dirty="0" smtClean="0"/>
+              <a:t>Some conferences lack academic substance</a:t>
+            </a:r>
+          </a:p>
+          <a:p>
+            <a:r>
+              <a:rPr lang="en-CA" dirty="0" smtClean="0"/>
+              <a:t>There is a lack of conference listings to indicate the quality of these conferences</a:t>
             </a:r>
             <a:endParaRPr lang="en-CA" dirty="0"/>
           </a:p>
@@ -5962,7 +6086,7 @@
     </p:spTree>
     <p:extLst>
       <p:ext uri="{BB962C8B-B14F-4D97-AF65-F5344CB8AC3E}">
-        <p14:creationId xmlns:p14="http://schemas.microsoft.com/office/powerpoint/2010/main" val="3096576400"/>
+        <p14:creationId xmlns:p14="http://schemas.microsoft.com/office/powerpoint/2010/main" val="4230561678"/>
       </p:ext>
     </p:extLst>
   </p:cSld>
@@ -6005,12 +6129,8 @@
           <a:lstStyle/>
           <a:p>
             <a:r>
-              <a:rPr lang="en-CA" dirty="0"/>
-              <a:t>N</a:t>
-            </a:r>
-            <a:r>
               <a:rPr lang="en-CA" dirty="0" smtClean="0"/>
-              <a:t>ode.JS</a:t>
+              <a:t>Technologies used</a:t>
             </a:r>
             <a:endParaRPr lang="en-CA" dirty="0"/>
           </a:p>
@@ -6023,22 +6143,53 @@
             <a:spLocks noGrp="1"/>
           </p:cNvSpPr>
           <p:nvPr>
-            <p:ph idx="1"/>
-          </p:nvPr>
-        </p:nvSpPr>
-        <p:spPr/>
-        <p:txBody>
-          <a:bodyPr/>
-          <a:lstStyle/>
-          <a:p>
-            <a:endParaRPr lang="en-CA"/>
+            <p:ph type="body" idx="1"/>
+          </p:nvPr>
+        </p:nvSpPr>
+        <p:spPr>
+          <a:xfrm>
+            <a:off x="810000" y="4930071"/>
+            <a:ext cx="10561418" cy="433955"/>
+          </a:xfrm>
+        </p:spPr>
+        <p:txBody>
+          <a:bodyPr/>
+          <a:lstStyle/>
+          <a:p>
+            <a:r>
+              <a:rPr lang="en-CA" dirty="0" smtClean="0"/>
+              <a:t>Node.JS</a:t>
+            </a:r>
+          </a:p>
+          <a:p>
+            <a:r>
+              <a:rPr lang="en-CA" dirty="0" err="1" smtClean="0"/>
+              <a:t>Heroku</a:t>
+            </a:r>
+            <a:r>
+              <a:rPr lang="en-CA" dirty="0" smtClean="0"/>
+              <a:t> Web Services</a:t>
+            </a:r>
+          </a:p>
+          <a:p>
+            <a:r>
+              <a:rPr lang="en-CA" dirty="0" smtClean="0"/>
+              <a:t>Amazon Dynamo</a:t>
+            </a:r>
+          </a:p>
+          <a:p>
+            <a:r>
+              <a:rPr lang="en-CA" dirty="0" err="1" smtClean="0"/>
+              <a:t>Plotly</a:t>
+            </a:r>
+            <a:endParaRPr lang="en-CA" dirty="0"/>
           </a:p>
         </p:txBody>
       </p:sp>
     </p:spTree>
     <p:extLst>
       <p:ext uri="{BB962C8B-B14F-4D97-AF65-F5344CB8AC3E}">
-        <p14:creationId xmlns:p14="http://schemas.microsoft.com/office/powerpoint/2010/main" val="2425440224"/>
+        <p14:creationId xmlns:p14="http://schemas.microsoft.com/office/powerpoint/2010/main" val="3096576400"/>
       </p:ext>
     </p:extLst>
   </p:cSld>
@@ -6081,36 +6232,155 @@
           <a:lstStyle/>
           <a:p>
             <a:r>
+              <a:rPr lang="en-CA" dirty="0"/>
+              <a:t>N</a:t>
+            </a:r>
+            <a:r>
+              <a:rPr lang="en-CA" dirty="0" smtClean="0"/>
+              <a:t>ode.JS</a:t>
+            </a:r>
+            <a:endParaRPr lang="en-CA" dirty="0"/>
+          </a:p>
+        </p:txBody>
+      </p:sp>
+      <p:sp>
+        <p:nvSpPr>
+          <p:cNvPr id="3" name="Content Placeholder 2"/>
+          <p:cNvSpPr>
+            <a:spLocks noGrp="1"/>
+          </p:cNvSpPr>
+          <p:nvPr>
+            <p:ph idx="1"/>
+          </p:nvPr>
+        </p:nvSpPr>
+        <p:spPr>
+          <a:xfrm>
+            <a:off x="818712" y="2222287"/>
+            <a:ext cx="5318741" cy="3636511"/>
+          </a:xfrm>
+        </p:spPr>
+        <p:txBody>
+          <a:bodyPr/>
+          <a:lstStyle/>
+          <a:p>
+            <a:r>
+              <a:rPr lang="en-CA" dirty="0" smtClean="0"/>
+              <a:t>The project’s framework</a:t>
+            </a:r>
+          </a:p>
+          <a:p>
+            <a:r>
+              <a:rPr lang="en-CA" dirty="0" smtClean="0"/>
+              <a:t>JavaScript </a:t>
+            </a:r>
+            <a:r>
+              <a:rPr lang="en-CA" dirty="0"/>
+              <a:t>runtime built on Chrome's V8 JavaScript </a:t>
+            </a:r>
+            <a:r>
+              <a:rPr lang="en-CA" dirty="0" smtClean="0"/>
+              <a:t>engine</a:t>
+            </a:r>
+          </a:p>
+          <a:p>
+            <a:r>
+              <a:rPr lang="en-CA" dirty="0" smtClean="0"/>
+              <a:t>Event-driven</a:t>
+            </a:r>
+            <a:r>
+              <a:rPr lang="en-CA" dirty="0"/>
+              <a:t>, non-blocking I/O model </a:t>
+            </a:r>
+            <a:endParaRPr lang="en-CA" dirty="0" smtClean="0"/>
+          </a:p>
+          <a:p>
+            <a:pPr lvl="1"/>
+            <a:r>
+              <a:rPr lang="en-CA" dirty="0" smtClean="0"/>
+              <a:t>lightweight </a:t>
+            </a:r>
+            <a:r>
+              <a:rPr lang="en-CA" dirty="0"/>
+              <a:t>and </a:t>
+            </a:r>
+            <a:r>
+              <a:rPr lang="en-CA" dirty="0" smtClean="0"/>
+              <a:t>efficient</a:t>
+            </a:r>
+          </a:p>
+          <a:p>
+            <a:r>
+              <a:rPr lang="en-CA" dirty="0" smtClean="0"/>
+              <a:t>Package management system </a:t>
+            </a:r>
+            <a:r>
               <a:rPr lang="en-CA" dirty="0" err="1" smtClean="0"/>
-              <a:t>Heroku</a:t>
-            </a:r>
-            <a:endParaRPr lang="en-CA" dirty="0"/>
-          </a:p>
-        </p:txBody>
-      </p:sp>
-      <p:sp>
-        <p:nvSpPr>
-          <p:cNvPr id="3" name="Content Placeholder 2"/>
-          <p:cNvSpPr>
-            <a:spLocks noGrp="1"/>
-          </p:cNvSpPr>
-          <p:nvPr>
-            <p:ph idx="1"/>
-          </p:nvPr>
-        </p:nvSpPr>
-        <p:spPr/>
-        <p:txBody>
-          <a:bodyPr/>
-          <a:lstStyle/>
-          <a:p>
-            <a:endParaRPr lang="en-CA" dirty="0"/>
-          </a:p>
-        </p:txBody>
-      </p:sp>
+              <a:t>npm</a:t>
+            </a:r>
+            <a:endParaRPr lang="en-CA" dirty="0" smtClean="0"/>
+          </a:p>
+          <a:p>
+            <a:pPr lvl="1"/>
+            <a:r>
+              <a:rPr lang="en-CA" dirty="0" smtClean="0"/>
+              <a:t>Large ecosystem </a:t>
+            </a:r>
+            <a:r>
+              <a:rPr lang="en-CA" dirty="0"/>
+              <a:t>of open source </a:t>
+            </a:r>
+            <a:r>
+              <a:rPr lang="en-CA" dirty="0" smtClean="0"/>
+              <a:t>libraries</a:t>
+            </a:r>
+          </a:p>
+        </p:txBody>
+      </p:sp>
+      <p:pic>
+        <p:nvPicPr>
+          <p:cNvPr id="1026" name="Picture 2" descr="https://nodejs.org/static/images/interactive/nodejs-interactive-logo-center.png"/>
+          <p:cNvPicPr>
+            <a:picLocks noChangeAspect="1" noChangeArrowheads="1"/>
+          </p:cNvPicPr>
+          <p:nvPr/>
+        </p:nvPicPr>
+        <p:blipFill>
+          <a:blip r:embed="rId2">
+            <a:extLst>
+              <a:ext uri="{28A0092B-C50C-407E-A947-70E740481C1C}">
+                <a14:useLocalDpi xmlns:a14="http://schemas.microsoft.com/office/drawing/2010/main" val="0"/>
+              </a:ext>
+            </a:extLst>
+          </a:blip>
+          <a:srcRect/>
+          <a:stretch>
+            <a:fillRect/>
+          </a:stretch>
+        </p:blipFill>
+        <p:spPr bwMode="auto">
+          <a:xfrm>
+            <a:off x="6805092" y="3054704"/>
+            <a:ext cx="4514850" cy="1971676"/>
+          </a:xfrm>
+          <a:prstGeom prst="rect">
+            <a:avLst/>
+          </a:prstGeom>
+          <a:noFill/>
+          <a:extLst>
+            <a:ext uri="{909E8E84-426E-40DD-AFC4-6F175D3DCCD1}">
+              <a14:hiddenFill xmlns:a14="http://schemas.microsoft.com/office/drawing/2010/main">
+                <a:solidFill>
+                  <a:srgbClr val="FFFFFF"/>
+                </a:solidFill>
+              </a14:hiddenFill>
+            </a:ext>
+          </a:extLst>
+        </p:spPr>
+      </p:pic>
     </p:spTree>
     <p:extLst>
       <p:ext uri="{BB962C8B-B14F-4D97-AF65-F5344CB8AC3E}">
-        <p14:creationId xmlns:p14="http://schemas.microsoft.com/office/powerpoint/2010/main" val="3375919895"/>
+        <p14:creationId xmlns:p14="http://schemas.microsoft.com/office/powerpoint/2010/main" val="2425440224"/>
       </p:ext>
     </p:extLst>
   </p:cSld>
@@ -6153,36 +6423,118 @@
           <a:lstStyle/>
           <a:p>
             <a:r>
+              <a:rPr lang="en-CA" dirty="0" err="1" smtClean="0"/>
+              <a:t>Heroku</a:t>
+            </a:r>
+            <a:endParaRPr lang="en-CA" dirty="0"/>
+          </a:p>
+        </p:txBody>
+      </p:sp>
+      <p:sp>
+        <p:nvSpPr>
+          <p:cNvPr id="3" name="Content Placeholder 2"/>
+          <p:cNvSpPr>
+            <a:spLocks noGrp="1"/>
+          </p:cNvSpPr>
+          <p:nvPr>
+            <p:ph idx="1"/>
+          </p:nvPr>
+        </p:nvSpPr>
+        <p:spPr>
+          <a:xfrm>
+            <a:off x="818712" y="2222287"/>
+            <a:ext cx="5113915" cy="3636511"/>
+          </a:xfrm>
+        </p:spPr>
+        <p:txBody>
+          <a:bodyPr/>
+          <a:lstStyle/>
+          <a:p>
+            <a:r>
               <a:rPr lang="en-CA" dirty="0" smtClean="0"/>
-              <a:t>Amazon Dynamo</a:t>
+              <a:t>Project’s hosting service</a:t>
+            </a:r>
+          </a:p>
+          <a:p>
+            <a:r>
+              <a:rPr lang="en-CA" dirty="0" smtClean="0"/>
+              <a:t>GitHub integration</a:t>
+            </a:r>
+          </a:p>
+          <a:p>
+            <a:r>
+              <a:rPr lang="en-CA" dirty="0" smtClean="0"/>
+              <a:t>Scales easily, </a:t>
+            </a:r>
+            <a:r>
+              <a:rPr lang="en-CA" dirty="0"/>
+              <a:t>both vertically and </a:t>
+            </a:r>
+            <a:r>
+              <a:rPr lang="en-CA" dirty="0" smtClean="0"/>
+              <a:t>horizontally</a:t>
             </a:r>
             <a:endParaRPr lang="en-CA" dirty="0"/>
           </a:p>
         </p:txBody>
       </p:sp>
-      <p:sp>
-        <p:nvSpPr>
-          <p:cNvPr id="3" name="Content Placeholder 2"/>
-          <p:cNvSpPr>
-            <a:spLocks noGrp="1"/>
-          </p:cNvSpPr>
-          <p:nvPr>
-            <p:ph idx="1"/>
-          </p:nvPr>
-        </p:nvSpPr>
-        <p:spPr/>
-        <p:txBody>
-          <a:bodyPr/>
-          <a:lstStyle/>
-          <a:p>
-            <a:endParaRPr lang="en-CA"/>
-          </a:p>
-        </p:txBody>
-      </p:sp>
+      <p:pic>
+        <p:nvPicPr>
+          <p:cNvPr id="2054" name="Picture 6" descr="http://appirio.wpengine.netdna-cdn.com/wp-content/uploads/2014/05/heroku-Logo-1.jpg"/>
+          <p:cNvPicPr>
+            <a:picLocks noChangeAspect="1" noChangeArrowheads="1"/>
+          </p:cNvPicPr>
+          <p:nvPr/>
+        </p:nvPicPr>
+        <p:blipFill>
+          <a:blip r:embed="rId2">
+            <a:extLst>
+              <a:ext uri="{28A0092B-C50C-407E-A947-70E740481C1C}">
+                <a14:useLocalDpi xmlns:a14="http://schemas.microsoft.com/office/drawing/2010/main" val="0"/>
+              </a:ext>
+            </a:extLst>
+          </a:blip>
+          <a:srcRect/>
+          <a:stretch>
+            <a:fillRect/>
+          </a:stretch>
+        </p:blipFill>
+        <p:spPr bwMode="auto">
+          <a:xfrm>
+            <a:off x="6013095" y="3120402"/>
+            <a:ext cx="5881014" cy="1840280"/>
+          </a:xfrm>
+          <a:prstGeom prst="roundRect">
+            <a:avLst>
+              <a:gd name="adj" fmla="val 8594"/>
+            </a:avLst>
+          </a:prstGeom>
+          <a:solidFill>
+            <a:srgbClr val="FFFFFF">
+              <a:shade val="85000"/>
+            </a:srgbClr>
+          </a:solidFill>
+          <a:ln>
+            <a:noFill/>
+          </a:ln>
+          <a:effectLst>
+            <a:reflection blurRad="12700" stA="38000" endPos="28000" dist="5000" dir="5400000" sy="-100000" algn="bl" rotWithShape="0"/>
+          </a:effectLst>
+          <a:extLst>
+            <a:ext uri="{909E8E84-426E-40DD-AFC4-6F175D3DCCD1}">
+              <a14:hiddenFill xmlns:a14="http://schemas.microsoft.com/office/drawing/2010/main">
+                <a:solidFill>
+                  <a:srgbClr val="FFFFFF"/>
+                </a:solidFill>
+              </a14:hiddenFill>
+            </a:ext>
+          </a:extLst>
+        </p:spPr>
+      </p:pic>
     </p:spTree>
     <p:extLst>
       <p:ext uri="{BB962C8B-B14F-4D97-AF65-F5344CB8AC3E}">
-        <p14:creationId xmlns:p14="http://schemas.microsoft.com/office/powerpoint/2010/main" val="1774035247"/>
+        <p14:creationId xmlns:p14="http://schemas.microsoft.com/office/powerpoint/2010/main" val="3375919895"/>
       </p:ext>
     </p:extLst>
   </p:cSld>
@@ -6225,12 +6577,8 @@
           <a:lstStyle/>
           <a:p>
             <a:r>
-              <a:rPr lang="en-CA" dirty="0" err="1" smtClean="0"/>
-              <a:t>Plotly</a:t>
-            </a:r>
-            <a:r>
               <a:rPr lang="en-CA" dirty="0" smtClean="0"/>
-              <a:t> Analytics</a:t>
+              <a:t>Amazon Dynamo</a:t>
             </a:r>
             <a:endParaRPr lang="en-CA" dirty="0"/>
           </a:p>
@@ -6246,19 +6594,90 @@
             <p:ph idx="1"/>
           </p:nvPr>
         </p:nvSpPr>
-        <p:spPr/>
-        <p:txBody>
-          <a:bodyPr/>
-          <a:lstStyle/>
-          <a:p>
-            <a:endParaRPr lang="en-CA"/>
-          </a:p>
-        </p:txBody>
-      </p:sp>
+        <p:spPr>
+          <a:xfrm>
+            <a:off x="818712" y="2222287"/>
+            <a:ext cx="5567458" cy="3636511"/>
+          </a:xfrm>
+        </p:spPr>
+        <p:txBody>
+          <a:bodyPr/>
+          <a:lstStyle/>
+          <a:p>
+            <a:r>
+              <a:rPr lang="en-CA" dirty="0" smtClean="0"/>
+              <a:t>Used as the database</a:t>
+            </a:r>
+          </a:p>
+          <a:p>
+            <a:r>
+              <a:rPr lang="en-CA" dirty="0" smtClean="0"/>
+              <a:t>NoSQL cloud based solution</a:t>
+            </a:r>
+          </a:p>
+          <a:p>
+            <a:r>
+              <a:rPr lang="en-CA" dirty="0" smtClean="0"/>
+              <a:t>Little latency between requests</a:t>
+            </a:r>
+          </a:p>
+          <a:p>
+            <a:r>
+              <a:rPr lang="en-CA" dirty="0"/>
+              <a:t>supports both document and key-value store models</a:t>
+            </a:r>
+            <a:endParaRPr lang="en-CA" dirty="0"/>
+          </a:p>
+        </p:txBody>
+      </p:sp>
+      <p:pic>
+        <p:nvPicPr>
+          <p:cNvPr id="3080" name="Picture 8" descr="http://4.bp.blogspot.com/-GNkavwYUIw8/VqBQurjWORI/AAAAAAAAGHs/A-e9MU0qwbY/s1600/DynamoDB%2B%252B%2BAmazon%2BWeb%2BServices.png"/>
+          <p:cNvPicPr>
+            <a:picLocks noChangeAspect="1" noChangeArrowheads="1"/>
+          </p:cNvPicPr>
+          <p:nvPr/>
+        </p:nvPicPr>
+        <p:blipFill>
+          <a:blip r:embed="rId2">
+            <a:extLst>
+              <a:ext uri="{28A0092B-C50C-407E-A947-70E740481C1C}">
+                <a14:useLocalDpi xmlns:a14="http://schemas.microsoft.com/office/drawing/2010/main" val="0"/>
+              </a:ext>
+            </a:extLst>
+          </a:blip>
+          <a:srcRect/>
+          <a:stretch>
+            <a:fillRect/>
+          </a:stretch>
+        </p:blipFill>
+        <p:spPr bwMode="auto">
+          <a:xfrm>
+            <a:off x="7170852" y="3177245"/>
+            <a:ext cx="4028720" cy="1726594"/>
+          </a:xfrm>
+          <a:prstGeom prst="roundRect">
+            <a:avLst>
+              <a:gd name="adj" fmla="val 8594"/>
+            </a:avLst>
+          </a:prstGeom>
+          <a:solidFill>
+            <a:srgbClr val="FFFFFF">
+              <a:shade val="85000"/>
+            </a:srgbClr>
+          </a:solidFill>
+          <a:ln>
+            <a:noFill/>
+          </a:ln>
+          <a:effectLst>
+            <a:reflection blurRad="12700" stA="38000" endPos="28000" dist="5000" dir="5400000" sy="-100000" algn="bl" rotWithShape="0"/>
+          </a:effectLst>
+        </p:spPr>
+      </p:pic>
     </p:spTree>
     <p:extLst>
       <p:ext uri="{BB962C8B-B14F-4D97-AF65-F5344CB8AC3E}">
-        <p14:creationId xmlns:p14="http://schemas.microsoft.com/office/powerpoint/2010/main" val="387957315"/>
+        <p14:creationId xmlns:p14="http://schemas.microsoft.com/office/powerpoint/2010/main" val="1774035247"/>
       </p:ext>
     </p:extLst>
   </p:cSld>
@@ -6301,8 +6720,12 @@
           <a:lstStyle/>
           <a:p>
             <a:r>
+              <a:rPr lang="en-CA" dirty="0" err="1" smtClean="0"/>
+              <a:t>Plotly</a:t>
+            </a:r>
+            <a:r>
               <a:rPr lang="en-CA" dirty="0" smtClean="0"/>
-              <a:t>Advantages of Cloud Technology</a:t>
+              <a:t> Analytics</a:t>
             </a:r>
             <a:endParaRPr lang="en-CA" dirty="0"/>
           </a:p>
@@ -6318,19 +6741,126 @@
             <p:ph idx="1"/>
           </p:nvPr>
         </p:nvSpPr>
-        <p:spPr/>
-        <p:txBody>
-          <a:bodyPr/>
-          <a:lstStyle/>
-          <a:p>
-            <a:endParaRPr lang="en-CA"/>
-          </a:p>
-        </p:txBody>
-      </p:sp>
+        <p:spPr>
+          <a:xfrm>
+            <a:off x="818712" y="2222287"/>
+            <a:ext cx="5252904" cy="3636511"/>
+          </a:xfrm>
+        </p:spPr>
+        <p:txBody>
+          <a:bodyPr/>
+          <a:lstStyle/>
+          <a:p>
+            <a:r>
+              <a:rPr lang="en-CA" dirty="0" smtClean="0"/>
+              <a:t>Used to create the graphs and analytics used in the project</a:t>
+            </a:r>
+          </a:p>
+          <a:p>
+            <a:r>
+              <a:rPr lang="en-CA" dirty="0" smtClean="0"/>
+              <a:t>Compatible with a range of tools</a:t>
+            </a:r>
+          </a:p>
+          <a:p>
+            <a:pPr lvl="1"/>
+            <a:r>
+              <a:rPr lang="en-CA" dirty="0" smtClean="0"/>
+              <a:t>Python</a:t>
+            </a:r>
+          </a:p>
+          <a:p>
+            <a:pPr lvl="1"/>
+            <a:r>
+              <a:rPr lang="en-CA" dirty="0" smtClean="0"/>
+              <a:t>R</a:t>
+            </a:r>
+          </a:p>
+          <a:p>
+            <a:pPr lvl="1"/>
+            <a:r>
+              <a:rPr lang="en-CA" dirty="0" smtClean="0"/>
+              <a:t>MATLAB</a:t>
+            </a:r>
+          </a:p>
+          <a:p>
+            <a:pPr lvl="1"/>
+            <a:r>
+              <a:rPr lang="en-CA" dirty="0" err="1" smtClean="0"/>
+              <a:t>Javascript</a:t>
+            </a:r>
+            <a:endParaRPr lang="en-CA" dirty="0" smtClean="0"/>
+          </a:p>
+          <a:p>
+            <a:r>
+              <a:rPr lang="en-CA" dirty="0"/>
+              <a:t>An API that creates graphs and </a:t>
+            </a:r>
+            <a:r>
+              <a:rPr lang="en-CA" dirty="0" smtClean="0"/>
+              <a:t>analytics</a:t>
+            </a:r>
+            <a:endParaRPr lang="en-CA" dirty="0"/>
+          </a:p>
+        </p:txBody>
+      </p:sp>
+      <p:pic>
+        <p:nvPicPr>
+          <p:cNvPr id="4098" name="Picture 2" descr="https://plot.ly/static/enterprise/img/alternatives/logo-plotlyjs.png"/>
+          <p:cNvPicPr>
+            <a:picLocks noChangeAspect="1" noChangeArrowheads="1"/>
+          </p:cNvPicPr>
+          <p:nvPr/>
+        </p:nvPicPr>
+        <p:blipFill>
+          <a:blip r:embed="rId2">
+            <a:extLst>
+              <a:ext uri="{28A0092B-C50C-407E-A947-70E740481C1C}">
+                <a14:useLocalDpi xmlns:a14="http://schemas.microsoft.com/office/drawing/2010/main" val="0"/>
+              </a:ext>
+            </a:extLst>
+          </a:blip>
+          <a:srcRect/>
+          <a:stretch>
+            <a:fillRect/>
+          </a:stretch>
+        </p:blipFill>
+        <p:spPr bwMode="auto">
+          <a:xfrm>
+            <a:off x="7317972" y="3535376"/>
+            <a:ext cx="4064026" cy="1010331"/>
+          </a:xfrm>
+          <a:prstGeom prst="roundRect">
+            <a:avLst>
+              <a:gd name="adj" fmla="val 8594"/>
+            </a:avLst>
+          </a:prstGeom>
+          <a:solidFill>
+            <a:srgbClr val="FFFFFF">
+              <a:shade val="85000"/>
+            </a:srgbClr>
+          </a:solidFill>
+          <a:ln>
+            <a:noFill/>
+          </a:ln>
+          <a:effectLst>
+            <a:reflection blurRad="12700" stA="38000" endPos="28000" dist="5000" dir="5400000" sy="-100000" algn="bl" rotWithShape="0"/>
+          </a:effectLst>
+          <a:extLst>
+            <a:ext uri="{909E8E84-426E-40DD-AFC4-6F175D3DCCD1}">
+              <a14:hiddenFill xmlns:a14="http://schemas.microsoft.com/office/drawing/2010/main">
+                <a:solidFill>
+                  <a:srgbClr val="FFFFFF"/>
+                </a:solidFill>
+              </a14:hiddenFill>
+            </a:ext>
+          </a:extLst>
+        </p:spPr>
+      </p:pic>
     </p:spTree>
     <p:extLst>
       <p:ext uri="{BB962C8B-B14F-4D97-AF65-F5344CB8AC3E}">
-        <p14:creationId xmlns:p14="http://schemas.microsoft.com/office/powerpoint/2010/main" val="2859325375"/>
+        <p14:creationId xmlns:p14="http://schemas.microsoft.com/office/powerpoint/2010/main" val="387957315"/>
       </p:ext>
     </p:extLst>
   </p:cSld>
